--- a/gradient_descent.pptx
+++ b/gradient_descent.pptx
@@ -120,6 +120,11 @@
       </a:defRPr>
     </a:lvl9pPr>
   </p:defaultTextStyle>
+  <p:extLst>
+    <p:ext uri="{EFAFB233-063F-42B5-8137-9DF3F51BA10A}">
+      <p15:sldGuideLst xmlns:p15="http://schemas.microsoft.com/office/powerpoint/2012/main"/>
+    </p:ext>
+  </p:extLst>
 </p:presentation>
 </file>
 
@@ -3767,8 +3772,8 @@
           </a:p>
         </p:txBody>
       </p:sp>
-      <mc:AlternateContent xmlns:mc="http://schemas.openxmlformats.org/markup-compatibility/2006">
-        <mc:Choice xmlns:a14="http://schemas.microsoft.com/office/drawing/2010/main" Requires="a14">
+      <mc:AlternateContent xmlns:mc="http://schemas.openxmlformats.org/markup-compatibility/2006" xmlns:a14="http://schemas.microsoft.com/office/drawing/2010/main">
+        <mc:Choice Requires="a14">
           <p:sp>
             <p:nvSpPr>
               <p:cNvPr id="3" name="Content Placeholder 2">
@@ -3845,7 +3850,7 @@
             </p:txBody>
           </p:sp>
         </mc:Choice>
-        <mc:Fallback>
+        <mc:Fallback xmlns="">
           <p:sp>
             <p:nvSpPr>
               <p:cNvPr id="3" name="Content Placeholder 2">
@@ -4146,8 +4151,8 @@
               <a:t> на функции </a:t>
             </a:r>
             <a:r>
-              <a:rPr lang="ru-RU" dirty="0" err="1"/>
-              <a:t>Беале</a:t>
+              <a:rPr lang="en-US" dirty="0"/>
+              <a:t>Matyas</a:t>
             </a:r>
             <a:r>
               <a:rPr lang="ru-RU" dirty="0"/>
@@ -4165,7 +4170,7 @@
             </a:r>
             <a:r>
               <a:rPr lang="en-US" dirty="0"/>
-              <a:t> (3, 0.5)</a:t>
+              <a:t> (0, 0)</a:t>
             </a:r>
             <a:endParaRPr lang="ru-RU" dirty="0"/>
           </a:p>
@@ -4176,32 +4181,49 @@
       </p:sp>
       <p:pic>
         <p:nvPicPr>
-          <p:cNvPr id="6" name="Picture 5">
-            <a:extLst>
-              <a:ext uri="{FF2B5EF4-FFF2-40B4-BE49-F238E27FC236}">
-                <a16:creationId xmlns:a16="http://schemas.microsoft.com/office/drawing/2014/main" id="{680114AD-89F7-4F00-BDAD-F7B4618F2F09}"/>
+          <p:cNvPr id="1026" name="Picture 2">
+            <a:extLst>
+              <a:ext uri="{FF2B5EF4-FFF2-40B4-BE49-F238E27FC236}">
+                <a16:creationId xmlns:a16="http://schemas.microsoft.com/office/drawing/2014/main" id="{44D0585F-9187-4222-997D-94E78CBD0AA9}"/>
               </a:ext>
             </a:extLst>
           </p:cNvPr>
           <p:cNvPicPr>
-            <a:picLocks noChangeAspect="1"/>
+            <a:picLocks noChangeAspect="1" noChangeArrowheads="1"/>
           </p:cNvPicPr>
           <p:nvPr/>
         </p:nvPicPr>
         <p:blipFill>
-          <a:blip r:embed="rId2"/>
+          <a:blip r:embed="rId2">
+            <a:extLst>
+              <a:ext uri="{28A0092B-C50C-407E-A947-70E740481C1C}">
+                <a14:useLocalDpi xmlns:a14="http://schemas.microsoft.com/office/drawing/2010/main" val="0"/>
+              </a:ext>
+            </a:extLst>
+          </a:blip>
+          <a:srcRect/>
           <a:stretch>
             <a:fillRect/>
           </a:stretch>
         </p:blipFill>
-        <p:spPr>
+        <p:spPr bwMode="auto">
           <a:xfrm>
-            <a:off x="3447680" y="2789617"/>
-            <a:ext cx="5296639" cy="409632"/>
+            <a:off x="4895850" y="2841849"/>
+            <a:ext cx="2400300" cy="304800"/>
           </a:xfrm>
           <a:prstGeom prst="rect">
             <a:avLst/>
           </a:prstGeom>
+          <a:noFill/>
+          <a:extLst>
+            <a:ext uri="{909E8E84-426E-40DD-AFC4-6F175D3DCCD1}">
+              <a14:hiddenFill xmlns:a14="http://schemas.microsoft.com/office/drawing/2010/main">
+                <a:solidFill>
+                  <a:srgbClr val="FFFFFF"/>
+                </a:solidFill>
+              </a14:hiddenFill>
+            </a:ext>
+          </a:extLst>
         </p:spPr>
       </p:pic>
     </p:spTree>
@@ -4575,8 +4597,8 @@
           </a:p>
         </p:txBody>
       </p:sp>
-      <mc:AlternateContent xmlns:mc="http://schemas.openxmlformats.org/markup-compatibility/2006">
-        <mc:Choice xmlns:a14="http://schemas.microsoft.com/office/drawing/2010/main" Requires="a14">
+      <mc:AlternateContent xmlns:mc="http://schemas.openxmlformats.org/markup-compatibility/2006" xmlns:a14="http://schemas.microsoft.com/office/drawing/2010/main">
+        <mc:Choice Requires="a14">
           <p:sp>
             <p:nvSpPr>
               <p:cNvPr id="3" name="Content Placeholder 2">
@@ -4896,7 +4918,7 @@
             </p:txBody>
           </p:sp>
         </mc:Choice>
-        <mc:Fallback>
+        <mc:Fallback xmlns="">
           <p:sp>
             <p:nvSpPr>
               <p:cNvPr id="3" name="Content Placeholder 2">
@@ -4994,8 +5016,8 @@
           </a:p>
         </p:txBody>
       </p:sp>
-      <mc:AlternateContent xmlns:mc="http://schemas.openxmlformats.org/markup-compatibility/2006">
-        <mc:Choice xmlns:a14="http://schemas.microsoft.com/office/drawing/2010/main" Requires="a14">
+      <mc:AlternateContent xmlns:mc="http://schemas.openxmlformats.org/markup-compatibility/2006" xmlns:a14="http://schemas.microsoft.com/office/drawing/2010/main">
+        <mc:Choice Requires="a14">
           <p:sp>
             <p:nvSpPr>
               <p:cNvPr id="3" name="Content Placeholder 2">
@@ -5462,7 +5484,7 @@
             </p:txBody>
           </p:sp>
         </mc:Choice>
-        <mc:Fallback>
+        <mc:Fallback xmlns="">
           <p:sp>
             <p:nvSpPr>
               <p:cNvPr id="3" name="Content Placeholder 2">
@@ -5560,8 +5582,8 @@
           </a:p>
         </p:txBody>
       </p:sp>
-      <mc:AlternateContent xmlns:mc="http://schemas.openxmlformats.org/markup-compatibility/2006">
-        <mc:Choice xmlns:a14="http://schemas.microsoft.com/office/drawing/2010/main" Requires="a14">
+      <mc:AlternateContent xmlns:mc="http://schemas.openxmlformats.org/markup-compatibility/2006" xmlns:a14="http://schemas.microsoft.com/office/drawing/2010/main">
+        <mc:Choice Requires="a14">
           <p:sp>
             <p:nvSpPr>
               <p:cNvPr id="3" name="Content Placeholder 2">
@@ -5929,7 +5951,7 @@
             </p:txBody>
           </p:sp>
         </mc:Choice>
-        <mc:Fallback>
+        <mc:Fallback xmlns="">
           <p:sp>
             <p:nvSpPr>
               <p:cNvPr id="3" name="Content Placeholder 2">
@@ -6031,8 +6053,8 @@
           </a:p>
         </p:txBody>
       </p:sp>
-      <mc:AlternateContent xmlns:mc="http://schemas.openxmlformats.org/markup-compatibility/2006">
-        <mc:Choice xmlns:a14="http://schemas.microsoft.com/office/drawing/2010/main" Requires="a14">
+      <mc:AlternateContent xmlns:mc="http://schemas.openxmlformats.org/markup-compatibility/2006" xmlns:a14="http://schemas.microsoft.com/office/drawing/2010/main">
+        <mc:Choice Requires="a14">
           <p:sp>
             <p:nvSpPr>
               <p:cNvPr id="3" name="Content Placeholder 2">
@@ -6347,7 +6369,7 @@
             </p:txBody>
           </p:sp>
         </mc:Choice>
-        <mc:Fallback>
+        <mc:Fallback xmlns="">
           <p:sp>
             <p:nvSpPr>
               <p:cNvPr id="3" name="Content Placeholder 2">
@@ -6445,8 +6467,8 @@
           </a:p>
         </p:txBody>
       </p:sp>
-      <mc:AlternateContent xmlns:mc="http://schemas.openxmlformats.org/markup-compatibility/2006">
-        <mc:Choice xmlns:a14="http://schemas.microsoft.com/office/drawing/2010/main" Requires="a14">
+      <mc:AlternateContent xmlns:mc="http://schemas.openxmlformats.org/markup-compatibility/2006" xmlns:a14="http://schemas.microsoft.com/office/drawing/2010/main">
+        <mc:Choice Requires="a14">
           <p:sp>
             <p:nvSpPr>
               <p:cNvPr id="3" name="Content Placeholder 2">
@@ -6538,7 +6560,7 @@
             </p:txBody>
           </p:sp>
         </mc:Choice>
-        <mc:Fallback>
+        <mc:Fallback xmlns="">
           <p:sp>
             <p:nvSpPr>
               <p:cNvPr id="3" name="Content Placeholder 2">
@@ -6644,8 +6666,8 @@
           </a:p>
         </p:txBody>
       </p:sp>
-      <mc:AlternateContent xmlns:mc="http://schemas.openxmlformats.org/markup-compatibility/2006">
-        <mc:Choice xmlns:a14="http://schemas.microsoft.com/office/drawing/2010/main" Requires="a14">
+      <mc:AlternateContent xmlns:mc="http://schemas.openxmlformats.org/markup-compatibility/2006" xmlns:a14="http://schemas.microsoft.com/office/drawing/2010/main">
+        <mc:Choice Requires="a14">
           <p:sp>
             <p:nvSpPr>
               <p:cNvPr id="4" name="Content Placeholder 3">
@@ -6967,7 +6989,7 @@
             </p:txBody>
           </p:sp>
         </mc:Choice>
-        <mc:Fallback>
+        <mc:Fallback xmlns="">
           <p:sp>
             <p:nvSpPr>
               <p:cNvPr id="4" name="Content Placeholder 3">
